--- a/CHECKalo PPT.pptx
+++ b/CHECKalo PPT.pptx
@@ -5094,7 +5094,7 @@
       </p:sp>
       <p:pic>
         <p:nvPicPr>
-          <p:cNvPr id="3" name="Imagen 2"/>
+          <p:cNvPr id="4" name="Imagen 3"/>
           <p:cNvPicPr>
             <a:picLocks noChangeAspect="1"/>
           </p:cNvPicPr>
@@ -5114,8 +5114,8 @@
         </p:blipFill>
         <p:spPr>
           <a:xfrm>
-            <a:off x="657180" y="1318856"/>
-            <a:ext cx="9850191" cy="5224571"/>
+            <a:off x="892499" y="1318856"/>
+            <a:ext cx="9783651" cy="5261494"/>
           </a:xfrm>
           <a:prstGeom prst="rect">
             <a:avLst/>
@@ -5538,7 +5538,7 @@
       </p:sp>
       <p:pic>
         <p:nvPicPr>
-          <p:cNvPr id="6" name="Marcador de contenido 3"/>
+          <p:cNvPr id="4" name="Marcador de contenido 3"/>
           <p:cNvPicPr>
             <a:picLocks noGrp="1" noChangeAspect="1"/>
           </p:cNvPicPr>
@@ -5560,8 +5560,8 @@
         </p:blipFill>
         <p:spPr>
           <a:xfrm>
-            <a:off x="710866" y="1318856"/>
-            <a:ext cx="9742819" cy="5217583"/>
+            <a:off x="867839" y="1318856"/>
+            <a:ext cx="9832971" cy="5237048"/>
           </a:xfrm>
         </p:spPr>
       </p:pic>
@@ -5981,7 +5981,7 @@
       </p:sp>
       <p:pic>
         <p:nvPicPr>
-          <p:cNvPr id="3" name="Imagen 2"/>
+          <p:cNvPr id="4" name="Imagen 3"/>
           <p:cNvPicPr>
             <a:picLocks noChangeAspect="1"/>
           </p:cNvPicPr>
@@ -6001,15 +6001,15 @@
         </p:blipFill>
         <p:spPr>
           <a:xfrm>
-            <a:off x="2177834" y="1333003"/>
-            <a:ext cx="6808884" cy="5389769"/>
+            <a:off x="2176904" y="1465752"/>
+            <a:ext cx="6810744" cy="5257020"/>
           </a:xfrm>
           <a:prstGeom prst="rect">
             <a:avLst/>
           </a:prstGeom>
           <a:ln>
             <a:solidFill>
-              <a:schemeClr val="tx1"/>
+              <a:schemeClr val="accent1"/>
             </a:solidFill>
           </a:ln>
         </p:spPr>
@@ -7209,17 +7209,6 @@
               </a:rPr>
               <a:t>GRACIAS</a:t>
             </a:r>
-            <a:endParaRPr lang="es-PE" sz="8000" dirty="0">
-              <a:ln w="28575">
-                <a:solidFill>
-                  <a:schemeClr val="tx1"/>
-                </a:solidFill>
-              </a:ln>
-              <a:solidFill>
-                <a:srgbClr val="FF0000"/>
-              </a:solidFill>
-              <a:latin typeface="Forte" panose="03060902040502070203" pitchFamily="66" charset="0"/>
-            </a:endParaRPr>
           </a:p>
         </p:txBody>
       </p:sp>
